--- a/ПИ21-3 Балашкин А.М. ВКР.pptx
+++ b/ПИ21-3 Балашкин А.М. ВКР.pptx
@@ -1554,7 +1554,7 @@
   <p:cSld>
     <p:spTree>
       <p:nvGrpSpPr>
-        <p:cNvPr id="208" name="Shape 208"/>
+        <p:cNvPr id="209" name="Shape 209"/>
         <p:cNvGrpSpPr/>
         <p:nvPr/>
       </p:nvGrpSpPr>
@@ -1568,7 +1568,7 @@
       </p:grpSpPr>
       <p:sp>
         <p:nvSpPr>
-          <p:cNvPr id="209" name="Google Shape;209;g357538c9bee_1_202:notes"/>
+          <p:cNvPr id="210" name="Google Shape;210;g357538c9bee_1_202:notes"/>
           <p:cNvSpPr/>
           <p:nvPr>
             <p:ph idx="2" type="sldImg"/>
@@ -1613,7 +1613,7 @@
       </p:sp>
       <p:sp>
         <p:nvSpPr>
-          <p:cNvPr id="210" name="Google Shape;210;g357538c9bee_1_202:notes"/>
+          <p:cNvPr id="211" name="Google Shape;211;g357538c9bee_1_202:notes"/>
           <p:cNvSpPr txBox="1"/>
           <p:nvPr>
             <p:ph idx="1" type="body"/>
@@ -1656,7 +1656,7 @@
       </p:sp>
       <p:sp>
         <p:nvSpPr>
-          <p:cNvPr id="211" name="Google Shape;211;g357538c9bee_1_202:notes"/>
+          <p:cNvPr id="212" name="Google Shape;212;g357538c9bee_1_202:notes"/>
           <p:cNvSpPr txBox="1"/>
           <p:nvPr>
             <p:ph idx="12" type="sldNum"/>
@@ -1711,7 +1711,7 @@
   <p:cSld>
     <p:spTree>
       <p:nvGrpSpPr>
-        <p:cNvPr id="221" name="Shape 221"/>
+        <p:cNvPr id="222" name="Shape 222"/>
         <p:cNvGrpSpPr/>
         <p:nvPr/>
       </p:nvGrpSpPr>
@@ -1725,7 +1725,7 @@
       </p:grpSpPr>
       <p:sp>
         <p:nvSpPr>
-          <p:cNvPr id="222" name="Google Shape;222;g357538c9bee_1_155:notes"/>
+          <p:cNvPr id="223" name="Google Shape;223;g357538c9bee_1_155:notes"/>
           <p:cNvSpPr/>
           <p:nvPr>
             <p:ph idx="2" type="sldImg"/>
@@ -1770,7 +1770,7 @@
       </p:sp>
       <p:sp>
         <p:nvSpPr>
-          <p:cNvPr id="223" name="Google Shape;223;g357538c9bee_1_155:notes"/>
+          <p:cNvPr id="224" name="Google Shape;224;g357538c9bee_1_155:notes"/>
           <p:cNvSpPr txBox="1"/>
           <p:nvPr>
             <p:ph idx="1" type="body"/>
@@ -1813,7 +1813,7 @@
       </p:sp>
       <p:sp>
         <p:nvSpPr>
-          <p:cNvPr id="224" name="Google Shape;224;g357538c9bee_1_155:notes"/>
+          <p:cNvPr id="225" name="Google Shape;225;g357538c9bee_1_155:notes"/>
           <p:cNvSpPr txBox="1"/>
           <p:nvPr>
             <p:ph idx="12" type="sldNum"/>
@@ -1868,7 +1868,7 @@
   <p:cSld>
     <p:spTree>
       <p:nvGrpSpPr>
-        <p:cNvPr id="233" name="Shape 233"/>
+        <p:cNvPr id="234" name="Shape 234"/>
         <p:cNvGrpSpPr/>
         <p:nvPr/>
       </p:nvGrpSpPr>
@@ -1882,7 +1882,7 @@
       </p:grpSpPr>
       <p:sp>
         <p:nvSpPr>
-          <p:cNvPr id="234" name="Google Shape;234;g357538c9bee_1_168:notes"/>
+          <p:cNvPr id="235" name="Google Shape;235;g357538c9bee_1_168:notes"/>
           <p:cNvSpPr/>
           <p:nvPr>
             <p:ph idx="2" type="sldImg"/>
@@ -1927,7 +1927,7 @@
       </p:sp>
       <p:sp>
         <p:nvSpPr>
-          <p:cNvPr id="235" name="Google Shape;235;g357538c9bee_1_168:notes"/>
+          <p:cNvPr id="236" name="Google Shape;236;g357538c9bee_1_168:notes"/>
           <p:cNvSpPr txBox="1"/>
           <p:nvPr>
             <p:ph idx="1" type="body"/>
@@ -1970,7 +1970,7 @@
       </p:sp>
       <p:sp>
         <p:nvSpPr>
-          <p:cNvPr id="236" name="Google Shape;236;g357538c9bee_1_168:notes"/>
+          <p:cNvPr id="237" name="Google Shape;237;g357538c9bee_1_168:notes"/>
           <p:cNvSpPr txBox="1"/>
           <p:nvPr>
             <p:ph idx="12" type="sldNum"/>
@@ -2025,7 +2025,7 @@
   <p:cSld>
     <p:spTree>
       <p:nvGrpSpPr>
-        <p:cNvPr id="245" name="Shape 245"/>
+        <p:cNvPr id="246" name="Shape 246"/>
         <p:cNvGrpSpPr/>
         <p:nvPr/>
       </p:nvGrpSpPr>
@@ -2039,7 +2039,7 @@
       </p:grpSpPr>
       <p:sp>
         <p:nvSpPr>
-          <p:cNvPr id="246" name="Google Shape;246;g357538c9bee_1_233:notes"/>
+          <p:cNvPr id="247" name="Google Shape;247;g357538c9bee_1_233:notes"/>
           <p:cNvSpPr/>
           <p:nvPr>
             <p:ph idx="2" type="sldImg"/>
@@ -2084,7 +2084,7 @@
       </p:sp>
       <p:sp>
         <p:nvSpPr>
-          <p:cNvPr id="247" name="Google Shape;247;g357538c9bee_1_233:notes"/>
+          <p:cNvPr id="248" name="Google Shape;248;g357538c9bee_1_233:notes"/>
           <p:cNvSpPr txBox="1"/>
           <p:nvPr>
             <p:ph idx="1" type="body"/>
@@ -2127,7 +2127,7 @@
       </p:sp>
       <p:sp>
         <p:nvSpPr>
-          <p:cNvPr id="248" name="Google Shape;248;g357538c9bee_1_233:notes"/>
+          <p:cNvPr id="249" name="Google Shape;249;g357538c9bee_1_233:notes"/>
           <p:cNvSpPr txBox="1"/>
           <p:nvPr>
             <p:ph idx="12" type="sldNum"/>
@@ -2182,7 +2182,7 @@
   <p:cSld>
     <p:spTree>
       <p:nvGrpSpPr>
-        <p:cNvPr id="256" name="Shape 256"/>
+        <p:cNvPr id="257" name="Shape 257"/>
         <p:cNvGrpSpPr/>
         <p:nvPr/>
       </p:nvGrpSpPr>
@@ -2196,7 +2196,7 @@
       </p:grpSpPr>
       <p:sp>
         <p:nvSpPr>
-          <p:cNvPr id="257" name="Google Shape;257;g357538c9bee_1_245:notes"/>
+          <p:cNvPr id="258" name="Google Shape;258;g357538c9bee_1_245:notes"/>
           <p:cNvSpPr txBox="1"/>
           <p:nvPr>
             <p:ph idx="1" type="body"/>
@@ -2235,7 +2235,7 @@
       </p:sp>
       <p:sp>
         <p:nvSpPr>
-          <p:cNvPr id="258" name="Google Shape;258;g357538c9bee_1_245:notes"/>
+          <p:cNvPr id="259" name="Google Shape;259;g357538c9bee_1_245:notes"/>
           <p:cNvSpPr/>
           <p:nvPr>
             <p:ph idx="2" type="sldImg"/>
@@ -2438,7 +2438,7 @@
   <p:cSld>
     <p:spTree>
       <p:nvGrpSpPr>
-        <p:cNvPr id="107" name="Shape 107"/>
+        <p:cNvPr id="108" name="Shape 108"/>
         <p:cNvGrpSpPr/>
         <p:nvPr/>
       </p:nvGrpSpPr>
@@ -2452,7 +2452,7 @@
       </p:grpSpPr>
       <p:sp>
         <p:nvSpPr>
-          <p:cNvPr id="108" name="Google Shape;108;g357538c9bee_1_17:notes"/>
+          <p:cNvPr id="109" name="Google Shape;109;g357538c9bee_1_17:notes"/>
           <p:cNvSpPr/>
           <p:nvPr>
             <p:ph idx="2" type="sldImg"/>
@@ -2497,7 +2497,7 @@
       </p:sp>
       <p:sp>
         <p:nvSpPr>
-          <p:cNvPr id="109" name="Google Shape;109;g357538c9bee_1_17:notes"/>
+          <p:cNvPr id="110" name="Google Shape;110;g357538c9bee_1_17:notes"/>
           <p:cNvSpPr txBox="1"/>
           <p:nvPr>
             <p:ph idx="1" type="body"/>
@@ -2540,7 +2540,7 @@
       </p:sp>
       <p:sp>
         <p:nvSpPr>
-          <p:cNvPr id="110" name="Google Shape;110;g357538c9bee_1_17:notes"/>
+          <p:cNvPr id="111" name="Google Shape;111;g357538c9bee_1_17:notes"/>
           <p:cNvSpPr txBox="1"/>
           <p:nvPr>
             <p:ph idx="12" type="sldNum"/>
@@ -2595,7 +2595,7 @@
   <p:cSld>
     <p:spTree>
       <p:nvGrpSpPr>
-        <p:cNvPr id="128" name="Shape 128"/>
+        <p:cNvPr id="129" name="Shape 129"/>
         <p:cNvGrpSpPr/>
         <p:nvPr/>
       </p:nvGrpSpPr>
@@ -2609,7 +2609,7 @@
       </p:grpSpPr>
       <p:sp>
         <p:nvSpPr>
-          <p:cNvPr id="129" name="Google Shape;129;g357538c9bee_1_57:notes"/>
+          <p:cNvPr id="130" name="Google Shape;130;g357538c9bee_1_57:notes"/>
           <p:cNvSpPr/>
           <p:nvPr>
             <p:ph idx="2" type="sldImg"/>
@@ -2654,7 +2654,7 @@
       </p:sp>
       <p:sp>
         <p:nvSpPr>
-          <p:cNvPr id="130" name="Google Shape;130;g357538c9bee_1_57:notes"/>
+          <p:cNvPr id="131" name="Google Shape;131;g357538c9bee_1_57:notes"/>
           <p:cNvSpPr txBox="1"/>
           <p:nvPr>
             <p:ph idx="1" type="body"/>
@@ -2697,7 +2697,7 @@
       </p:sp>
       <p:sp>
         <p:nvSpPr>
-          <p:cNvPr id="131" name="Google Shape;131;g357538c9bee_1_57:notes"/>
+          <p:cNvPr id="132" name="Google Shape;132;g357538c9bee_1_57:notes"/>
           <p:cNvSpPr txBox="1"/>
           <p:nvPr>
             <p:ph idx="12" type="sldNum"/>
@@ -2752,7 +2752,7 @@
   <p:cSld>
     <p:spTree>
       <p:nvGrpSpPr>
-        <p:cNvPr id="141" name="Shape 141"/>
+        <p:cNvPr id="142" name="Shape 142"/>
         <p:cNvGrpSpPr/>
         <p:nvPr/>
       </p:nvGrpSpPr>
@@ -2766,7 +2766,7 @@
       </p:grpSpPr>
       <p:sp>
         <p:nvSpPr>
-          <p:cNvPr id="142" name="Google Shape;142;g357538c9bee_1_102:notes"/>
+          <p:cNvPr id="143" name="Google Shape;143;g357538c9bee_1_102:notes"/>
           <p:cNvSpPr/>
           <p:nvPr>
             <p:ph idx="2" type="sldImg"/>
@@ -2811,7 +2811,7 @@
       </p:sp>
       <p:sp>
         <p:nvSpPr>
-          <p:cNvPr id="143" name="Google Shape;143;g357538c9bee_1_102:notes"/>
+          <p:cNvPr id="144" name="Google Shape;144;g357538c9bee_1_102:notes"/>
           <p:cNvSpPr txBox="1"/>
           <p:nvPr>
             <p:ph idx="1" type="body"/>
@@ -2854,7 +2854,7 @@
       </p:sp>
       <p:sp>
         <p:nvSpPr>
-          <p:cNvPr id="144" name="Google Shape;144;g357538c9bee_1_102:notes"/>
+          <p:cNvPr id="145" name="Google Shape;145;g357538c9bee_1_102:notes"/>
           <p:cNvSpPr txBox="1"/>
           <p:nvPr>
             <p:ph idx="12" type="sldNum"/>
@@ -2909,7 +2909,7 @@
   <p:cSld>
     <p:spTree>
       <p:nvGrpSpPr>
-        <p:cNvPr id="160" name="Shape 160"/>
+        <p:cNvPr id="161" name="Shape 161"/>
         <p:cNvGrpSpPr/>
         <p:nvPr/>
       </p:nvGrpSpPr>
@@ -2923,7 +2923,7 @@
       </p:grpSpPr>
       <p:sp>
         <p:nvSpPr>
-          <p:cNvPr id="161" name="Google Shape;161;g357538c9bee_1_178:notes"/>
+          <p:cNvPr id="162" name="Google Shape;162;g357538c9bee_1_178:notes"/>
           <p:cNvSpPr/>
           <p:nvPr>
             <p:ph idx="2" type="sldImg"/>
@@ -2968,7 +2968,7 @@
       </p:sp>
       <p:sp>
         <p:nvSpPr>
-          <p:cNvPr id="162" name="Google Shape;162;g357538c9bee_1_178:notes"/>
+          <p:cNvPr id="163" name="Google Shape;163;g357538c9bee_1_178:notes"/>
           <p:cNvSpPr txBox="1"/>
           <p:nvPr>
             <p:ph idx="1" type="body"/>
@@ -3011,7 +3011,7 @@
       </p:sp>
       <p:sp>
         <p:nvSpPr>
-          <p:cNvPr id="163" name="Google Shape;163;g357538c9bee_1_178:notes"/>
+          <p:cNvPr id="164" name="Google Shape;164;g357538c9bee_1_178:notes"/>
           <p:cNvSpPr txBox="1"/>
           <p:nvPr>
             <p:ph idx="12" type="sldNum"/>
@@ -3066,7 +3066,7 @@
   <p:cSld>
     <p:spTree>
       <p:nvGrpSpPr>
-        <p:cNvPr id="172" name="Shape 172"/>
+        <p:cNvPr id="173" name="Shape 173"/>
         <p:cNvGrpSpPr/>
         <p:nvPr/>
       </p:nvGrpSpPr>
@@ -3080,7 +3080,7 @@
       </p:grpSpPr>
       <p:sp>
         <p:nvSpPr>
-          <p:cNvPr id="173" name="Google Shape;173;g357538c9bee_1_117:notes"/>
+          <p:cNvPr id="174" name="Google Shape;174;g357538c9bee_1_117:notes"/>
           <p:cNvSpPr/>
           <p:nvPr>
             <p:ph idx="2" type="sldImg"/>
@@ -3125,7 +3125,7 @@
       </p:sp>
       <p:sp>
         <p:nvSpPr>
-          <p:cNvPr id="174" name="Google Shape;174;g357538c9bee_1_117:notes"/>
+          <p:cNvPr id="175" name="Google Shape;175;g357538c9bee_1_117:notes"/>
           <p:cNvSpPr txBox="1"/>
           <p:nvPr>
             <p:ph idx="1" type="body"/>
@@ -3168,7 +3168,7 @@
       </p:sp>
       <p:sp>
         <p:nvSpPr>
-          <p:cNvPr id="175" name="Google Shape;175;g357538c9bee_1_117:notes"/>
+          <p:cNvPr id="176" name="Google Shape;176;g357538c9bee_1_117:notes"/>
           <p:cNvSpPr txBox="1"/>
           <p:nvPr>
             <p:ph idx="12" type="sldNum"/>
@@ -3223,7 +3223,7 @@
   <p:cSld>
     <p:spTree>
       <p:nvGrpSpPr>
-        <p:cNvPr id="184" name="Shape 184"/>
+        <p:cNvPr id="185" name="Shape 185"/>
         <p:cNvGrpSpPr/>
         <p:nvPr/>
       </p:nvGrpSpPr>
@@ -3237,7 +3237,7 @@
       </p:grpSpPr>
       <p:sp>
         <p:nvSpPr>
-          <p:cNvPr id="185" name="Google Shape;185;g357538c9bee_1_141:notes"/>
+          <p:cNvPr id="186" name="Google Shape;186;g357538c9bee_1_141:notes"/>
           <p:cNvSpPr/>
           <p:nvPr>
             <p:ph idx="2" type="sldImg"/>
@@ -3282,7 +3282,7 @@
       </p:sp>
       <p:sp>
         <p:nvSpPr>
-          <p:cNvPr id="186" name="Google Shape;186;g357538c9bee_1_141:notes"/>
+          <p:cNvPr id="187" name="Google Shape;187;g357538c9bee_1_141:notes"/>
           <p:cNvSpPr txBox="1"/>
           <p:nvPr>
             <p:ph idx="1" type="body"/>
@@ -3325,7 +3325,7 @@
       </p:sp>
       <p:sp>
         <p:nvSpPr>
-          <p:cNvPr id="187" name="Google Shape;187;g357538c9bee_1_141:notes"/>
+          <p:cNvPr id="188" name="Google Shape;188;g357538c9bee_1_141:notes"/>
           <p:cNvSpPr txBox="1"/>
           <p:nvPr>
             <p:ph idx="12" type="sldNum"/>
@@ -3380,7 +3380,7 @@
   <p:cSld>
     <p:spTree>
       <p:nvGrpSpPr>
-        <p:cNvPr id="196" name="Shape 196"/>
+        <p:cNvPr id="197" name="Shape 197"/>
         <p:cNvGrpSpPr/>
         <p:nvPr/>
       </p:nvGrpSpPr>
@@ -3394,7 +3394,7 @@
       </p:grpSpPr>
       <p:sp>
         <p:nvSpPr>
-          <p:cNvPr id="197" name="Google Shape;197;g357538c9bee_1_214:notes"/>
+          <p:cNvPr id="198" name="Google Shape;198;g357538c9bee_1_214:notes"/>
           <p:cNvSpPr/>
           <p:nvPr>
             <p:ph idx="2" type="sldImg"/>
@@ -3439,7 +3439,7 @@
       </p:sp>
       <p:sp>
         <p:nvSpPr>
-          <p:cNvPr id="198" name="Google Shape;198;g357538c9bee_1_214:notes"/>
+          <p:cNvPr id="199" name="Google Shape;199;g357538c9bee_1_214:notes"/>
           <p:cNvSpPr txBox="1"/>
           <p:nvPr>
             <p:ph idx="1" type="body"/>
@@ -3482,7 +3482,7 @@
       </p:sp>
       <p:sp>
         <p:nvSpPr>
-          <p:cNvPr id="199" name="Google Shape;199;g357538c9bee_1_214:notes"/>
+          <p:cNvPr id="200" name="Google Shape;200;g357538c9bee_1_214:notes"/>
           <p:cNvSpPr txBox="1"/>
           <p:nvPr>
             <p:ph idx="12" type="sldNum"/>
@@ -14013,7 +14013,7 @@
   <p:cSld>
     <p:spTree>
       <p:nvGrpSpPr>
-        <p:cNvPr id="212" name="Shape 212"/>
+        <p:cNvPr id="213" name="Shape 213"/>
         <p:cNvGrpSpPr/>
         <p:nvPr/>
       </p:nvGrpSpPr>
@@ -14027,7 +14027,7 @@
       </p:grpSpPr>
       <p:sp>
         <p:nvSpPr>
-          <p:cNvPr id="213" name="Google Shape;213;p22"/>
+          <p:cNvPr id="214" name="Google Shape;214;p22"/>
           <p:cNvSpPr/>
           <p:nvPr/>
         </p:nvSpPr>
@@ -14080,7 +14080,7 @@
       </p:sp>
       <p:pic>
         <p:nvPicPr>
-          <p:cNvPr id="214" name="Google Shape;214;p22"/>
+          <p:cNvPr id="215" name="Google Shape;215;p22"/>
           <p:cNvPicPr preferRelativeResize="0"/>
           <p:nvPr/>
         </p:nvPicPr>
@@ -14107,7 +14107,7 @@
       </p:pic>
       <p:sp>
         <p:nvSpPr>
-          <p:cNvPr id="215" name="Google Shape;215;p22"/>
+          <p:cNvPr id="216" name="Google Shape;216;p22"/>
           <p:cNvSpPr txBox="1"/>
           <p:nvPr/>
         </p:nvSpPr>
@@ -14157,7 +14157,7 @@
       </p:sp>
       <p:pic>
         <p:nvPicPr>
-          <p:cNvPr id="216" name="Google Shape;216;p22"/>
+          <p:cNvPr id="217" name="Google Shape;217;p22"/>
           <p:cNvPicPr preferRelativeResize="0"/>
           <p:nvPr/>
         </p:nvPicPr>
@@ -14184,7 +14184,7 @@
       </p:pic>
       <p:sp>
         <p:nvSpPr>
-          <p:cNvPr id="217" name="Google Shape;217;p22"/>
+          <p:cNvPr id="218" name="Google Shape;218;p22"/>
           <p:cNvSpPr txBox="1"/>
           <p:nvPr>
             <p:ph idx="12" type="sldNum"/>
@@ -14224,7 +14224,7 @@
       </p:sp>
       <p:pic>
         <p:nvPicPr>
-          <p:cNvPr id="218" name="Google Shape;218;p22"/>
+          <p:cNvPr id="219" name="Google Shape;219;p22"/>
           <p:cNvPicPr preferRelativeResize="0"/>
           <p:nvPr/>
         </p:nvPicPr>
@@ -14252,7 +14252,7 @@
       </p:pic>
       <p:pic>
         <p:nvPicPr>
-          <p:cNvPr id="219" name="Google Shape;219;p22"/>
+          <p:cNvPr id="220" name="Google Shape;220;p22"/>
           <p:cNvPicPr preferRelativeResize="0"/>
           <p:nvPr/>
         </p:nvPicPr>
@@ -14280,7 +14280,7 @@
       </p:pic>
       <p:pic>
         <p:nvPicPr>
-          <p:cNvPr id="220" name="Google Shape;220;p22"/>
+          <p:cNvPr id="221" name="Google Shape;221;p22"/>
           <p:cNvPicPr preferRelativeResize="0"/>
           <p:nvPr/>
         </p:nvPicPr>
@@ -14319,7 +14319,7 @@
   <p:cSld>
     <p:spTree>
       <p:nvGrpSpPr>
-        <p:cNvPr id="225" name="Shape 225"/>
+        <p:cNvPr id="226" name="Shape 226"/>
         <p:cNvGrpSpPr/>
         <p:nvPr/>
       </p:nvGrpSpPr>
@@ -14333,7 +14333,7 @@
       </p:grpSpPr>
       <p:sp>
         <p:nvSpPr>
-          <p:cNvPr id="226" name="Google Shape;226;p23"/>
+          <p:cNvPr id="227" name="Google Shape;227;p23"/>
           <p:cNvSpPr/>
           <p:nvPr/>
         </p:nvSpPr>
@@ -14386,7 +14386,7 @@
       </p:sp>
       <p:pic>
         <p:nvPicPr>
-          <p:cNvPr id="227" name="Google Shape;227;p23"/>
+          <p:cNvPr id="228" name="Google Shape;228;p23"/>
           <p:cNvPicPr preferRelativeResize="0"/>
           <p:nvPr/>
         </p:nvPicPr>
@@ -14413,7 +14413,7 @@
       </p:pic>
       <p:sp>
         <p:nvSpPr>
-          <p:cNvPr id="228" name="Google Shape;228;p23"/>
+          <p:cNvPr id="229" name="Google Shape;229;p23"/>
           <p:cNvSpPr txBox="1"/>
           <p:nvPr/>
         </p:nvSpPr>
@@ -14463,7 +14463,7 @@
       </p:sp>
       <p:pic>
         <p:nvPicPr>
-          <p:cNvPr id="229" name="Google Shape;229;p23"/>
+          <p:cNvPr id="230" name="Google Shape;230;p23"/>
           <p:cNvPicPr preferRelativeResize="0"/>
           <p:nvPr/>
         </p:nvPicPr>
@@ -14490,7 +14490,7 @@
       </p:pic>
       <p:sp>
         <p:nvSpPr>
-          <p:cNvPr id="230" name="Google Shape;230;p23"/>
+          <p:cNvPr id="231" name="Google Shape;231;p23"/>
           <p:cNvSpPr txBox="1"/>
           <p:nvPr>
             <p:ph idx="12" type="sldNum"/>
@@ -14530,7 +14530,7 @@
       </p:sp>
       <p:sp>
         <p:nvSpPr>
-          <p:cNvPr id="231" name="Google Shape;231;p23"/>
+          <p:cNvPr id="232" name="Google Shape;232;p23"/>
           <p:cNvSpPr txBox="1"/>
           <p:nvPr/>
         </p:nvSpPr>
@@ -14580,7 +14580,7 @@
       </p:sp>
       <p:pic>
         <p:nvPicPr>
-          <p:cNvPr id="232" name="Google Shape;232;p23" title="Диаграмма без названия1.drawio3.png"/>
+          <p:cNvPr id="233" name="Google Shape;233;p23" title="Диаграмма без названия1.drawio3.png"/>
           <p:cNvPicPr preferRelativeResize="0"/>
           <p:nvPr/>
         </p:nvPicPr>
@@ -14619,7 +14619,7 @@
   <p:cSld>
     <p:spTree>
       <p:nvGrpSpPr>
-        <p:cNvPr id="237" name="Shape 237"/>
+        <p:cNvPr id="238" name="Shape 238"/>
         <p:cNvGrpSpPr/>
         <p:nvPr/>
       </p:nvGrpSpPr>
@@ -14633,7 +14633,7 @@
       </p:grpSpPr>
       <p:sp>
         <p:nvSpPr>
-          <p:cNvPr id="238" name="Google Shape;238;p24"/>
+          <p:cNvPr id="239" name="Google Shape;239;p24"/>
           <p:cNvSpPr/>
           <p:nvPr/>
         </p:nvSpPr>
@@ -14686,7 +14686,7 @@
       </p:sp>
       <p:pic>
         <p:nvPicPr>
-          <p:cNvPr id="239" name="Google Shape;239;p24"/>
+          <p:cNvPr id="240" name="Google Shape;240;p24"/>
           <p:cNvPicPr preferRelativeResize="0"/>
           <p:nvPr/>
         </p:nvPicPr>
@@ -14713,7 +14713,7 @@
       </p:pic>
       <p:sp>
         <p:nvSpPr>
-          <p:cNvPr id="240" name="Google Shape;240;p24"/>
+          <p:cNvPr id="241" name="Google Shape;241;p24"/>
           <p:cNvSpPr txBox="1"/>
           <p:nvPr/>
         </p:nvSpPr>
@@ -14763,7 +14763,7 @@
       </p:sp>
       <p:sp>
         <p:nvSpPr>
-          <p:cNvPr id="241" name="Google Shape;241;p24"/>
+          <p:cNvPr id="242" name="Google Shape;242;p24"/>
           <p:cNvSpPr txBox="1"/>
           <p:nvPr/>
         </p:nvSpPr>
@@ -14813,7 +14813,7 @@
       </p:sp>
       <p:pic>
         <p:nvPicPr>
-          <p:cNvPr id="242" name="Google Shape;242;p24"/>
+          <p:cNvPr id="243" name="Google Shape;243;p24"/>
           <p:cNvPicPr preferRelativeResize="0"/>
           <p:nvPr/>
         </p:nvPicPr>
@@ -14840,7 +14840,7 @@
       </p:pic>
       <p:sp>
         <p:nvSpPr>
-          <p:cNvPr id="243" name="Google Shape;243;p24"/>
+          <p:cNvPr id="244" name="Google Shape;244;p24"/>
           <p:cNvSpPr txBox="1"/>
           <p:nvPr>
             <p:ph idx="12" type="sldNum"/>
@@ -14880,7 +14880,7 @@
       </p:sp>
       <p:pic>
         <p:nvPicPr>
-          <p:cNvPr descr="Диаграмма ответов в Формах. Вопрос: Общее впечатление от сервиса. Количество ответов: 49 ответов." id="244" name="Google Shape;244;p24" title="Общее впечатление от сервиса"/>
+          <p:cNvPr descr="Диаграмма ответов в Формах. Вопрос: Общее впечатление от сервиса. Количество ответов: 49 ответов." id="245" name="Google Shape;245;p24" title="Общее впечатление от сервиса"/>
           <p:cNvPicPr preferRelativeResize="0"/>
           <p:nvPr/>
         </p:nvPicPr>
@@ -14919,7 +14919,7 @@
   <p:cSld>
     <p:spTree>
       <p:nvGrpSpPr>
-        <p:cNvPr id="249" name="Shape 249"/>
+        <p:cNvPr id="250" name="Shape 250"/>
         <p:cNvGrpSpPr/>
         <p:nvPr/>
       </p:nvGrpSpPr>
@@ -14933,7 +14933,7 @@
       </p:grpSpPr>
       <p:sp>
         <p:nvSpPr>
-          <p:cNvPr id="250" name="Google Shape;250;p25"/>
+          <p:cNvPr id="251" name="Google Shape;251;p25"/>
           <p:cNvSpPr/>
           <p:nvPr/>
         </p:nvSpPr>
@@ -14986,7 +14986,7 @@
       </p:sp>
       <p:pic>
         <p:nvPicPr>
-          <p:cNvPr id="251" name="Google Shape;251;p25"/>
+          <p:cNvPr id="252" name="Google Shape;252;p25"/>
           <p:cNvPicPr preferRelativeResize="0"/>
           <p:nvPr/>
         </p:nvPicPr>
@@ -15013,7 +15013,7 @@
       </p:pic>
       <p:sp>
         <p:nvSpPr>
-          <p:cNvPr id="252" name="Google Shape;252;p25"/>
+          <p:cNvPr id="253" name="Google Shape;253;p25"/>
           <p:cNvSpPr txBox="1"/>
           <p:nvPr/>
         </p:nvSpPr>
@@ -15063,7 +15063,7 @@
       </p:sp>
       <p:sp>
         <p:nvSpPr>
-          <p:cNvPr id="253" name="Google Shape;253;p25"/>
+          <p:cNvPr id="254" name="Google Shape;254;p25"/>
           <p:cNvSpPr txBox="1"/>
           <p:nvPr/>
         </p:nvSpPr>
@@ -15355,7 +15355,7 @@
       </p:sp>
       <p:pic>
         <p:nvPicPr>
-          <p:cNvPr id="254" name="Google Shape;254;p25"/>
+          <p:cNvPr id="255" name="Google Shape;255;p25"/>
           <p:cNvPicPr preferRelativeResize="0"/>
           <p:nvPr/>
         </p:nvPicPr>
@@ -15382,7 +15382,7 @@
       </p:pic>
       <p:sp>
         <p:nvSpPr>
-          <p:cNvPr id="255" name="Google Shape;255;p25"/>
+          <p:cNvPr id="256" name="Google Shape;256;p25"/>
           <p:cNvSpPr txBox="1"/>
           <p:nvPr>
             <p:ph idx="12" type="sldNum"/>
@@ -15433,7 +15433,7 @@
   <p:cSld>
     <p:spTree>
       <p:nvGrpSpPr>
-        <p:cNvPr id="259" name="Shape 259"/>
+        <p:cNvPr id="260" name="Shape 260"/>
         <p:cNvGrpSpPr/>
         <p:nvPr/>
       </p:nvGrpSpPr>
@@ -15447,7 +15447,7 @@
       </p:grpSpPr>
       <p:sp>
         <p:nvSpPr>
-          <p:cNvPr id="260" name="Google Shape;260;p26"/>
+          <p:cNvPr id="261" name="Google Shape;261;p26"/>
           <p:cNvSpPr/>
           <p:nvPr/>
         </p:nvSpPr>
@@ -15504,7 +15504,7 @@
       </p:sp>
       <p:pic>
         <p:nvPicPr>
-          <p:cNvPr id="261" name="Google Shape;261;p26"/>
+          <p:cNvPr id="262" name="Google Shape;262;p26"/>
           <p:cNvPicPr preferRelativeResize="0"/>
           <p:nvPr/>
         </p:nvPicPr>
@@ -15531,7 +15531,7 @@
       </p:pic>
       <p:sp>
         <p:nvSpPr>
-          <p:cNvPr id="262" name="Google Shape;262;p26"/>
+          <p:cNvPr id="263" name="Google Shape;263;p26"/>
           <p:cNvSpPr txBox="1"/>
           <p:nvPr/>
         </p:nvSpPr>
@@ -15589,7 +15589,7 @@
       </p:sp>
       <p:pic>
         <p:nvPicPr>
-          <p:cNvPr id="263" name="Google Shape;263;p26"/>
+          <p:cNvPr id="264" name="Google Shape;264;p26"/>
           <p:cNvPicPr preferRelativeResize="0"/>
           <p:nvPr/>
         </p:nvPicPr>
@@ -15616,7 +15616,7 @@
       </p:pic>
       <p:sp>
         <p:nvSpPr>
-          <p:cNvPr id="264" name="Google Shape;264;p26"/>
+          <p:cNvPr id="265" name="Google Shape;265;p26"/>
           <p:cNvSpPr/>
           <p:nvPr/>
         </p:nvSpPr>
@@ -15673,7 +15673,7 @@
       </p:sp>
       <p:sp>
         <p:nvSpPr>
-          <p:cNvPr id="265" name="Google Shape;265;p26"/>
+          <p:cNvPr id="266" name="Google Shape;266;p26"/>
           <p:cNvSpPr txBox="1"/>
           <p:nvPr/>
         </p:nvSpPr>
@@ -15842,7 +15842,7 @@
       </p:sp>
       <p:sp>
         <p:nvSpPr>
-          <p:cNvPr id="266" name="Google Shape;266;p26"/>
+          <p:cNvPr id="267" name="Google Shape;267;p26"/>
           <p:cNvSpPr/>
           <p:nvPr/>
         </p:nvSpPr>
@@ -15924,7 +15924,7 @@
       </p:sp>
       <p:pic>
         <p:nvPicPr>
-          <p:cNvPr id="267" name="Google Shape;267;p26"/>
+          <p:cNvPr id="268" name="Google Shape;268;p26"/>
           <p:cNvPicPr preferRelativeResize="0"/>
           <p:nvPr/>
         </p:nvPicPr>
@@ -16063,8 +16063,8 @@
         </p:nvSpPr>
         <p:spPr>
           <a:xfrm>
-            <a:off x="2382982" y="561909"/>
-            <a:ext cx="2685300" cy="400200"/>
+            <a:off x="1349150" y="561900"/>
+            <a:ext cx="3719100" cy="400200"/>
           </a:xfrm>
           <a:prstGeom prst="rect">
             <a:avLst/>
@@ -16099,7 +16099,7 @@
                 <a:cs typeface="Book Antiqua"/>
                 <a:sym typeface="Book Antiqua"/>
               </a:rPr>
-              <a:t>Актуальность</a:t>
+              <a:t>Актуальность и цель ВКР</a:t>
             </a:r>
             <a:endParaRPr sz="2000"/>
           </a:p>
@@ -16113,7 +16113,7 @@
         </p:nvSpPr>
         <p:spPr>
           <a:xfrm>
-            <a:off x="1557750" y="1660063"/>
+            <a:off x="1557750" y="1504613"/>
             <a:ext cx="6028500" cy="923400"/>
           </a:xfrm>
           <a:prstGeom prst="rect">
@@ -16242,7 +16242,7 @@
         </p:blipFill>
         <p:spPr>
           <a:xfrm>
-            <a:off x="2612514" y="3428998"/>
+            <a:off x="2612501" y="2711423"/>
             <a:ext cx="3918979" cy="1846650"/>
           </a:xfrm>
           <a:prstGeom prst="rect">
@@ -16254,6 +16254,56 @@
           </a:ln>
         </p:spPr>
       </p:pic>
+      <p:sp>
+        <p:nvSpPr>
+          <p:cNvPr id="107" name="Google Shape;107;p14"/>
+          <p:cNvSpPr txBox="1"/>
+          <p:nvPr/>
+        </p:nvSpPr>
+        <p:spPr>
+          <a:xfrm>
+            <a:off x="1557750" y="4951738"/>
+            <a:ext cx="6028500" cy="923400"/>
+          </a:xfrm>
+          <a:prstGeom prst="rect">
+            <a:avLst/>
+          </a:prstGeom>
+          <a:noFill/>
+          <a:ln>
+            <a:noFill/>
+          </a:ln>
+        </p:spPr>
+        <p:txBody>
+          <a:bodyPr anchorCtr="0" anchor="t" bIns="45700" lIns="91425" spcFirstLastPara="1" rIns="91425" wrap="square" tIns="45700">
+            <a:spAutoFit/>
+          </a:bodyPr>
+          <a:lstStyle/>
+          <a:p>
+            <a:pPr indent="0" lvl="0" marL="0" marR="0" rtl="0" algn="ctr">
+              <a:spcBef>
+                <a:spcPts val="0"/>
+              </a:spcBef>
+              <a:spcAft>
+                <a:spcPts val="0"/>
+              </a:spcAft>
+              <a:buNone/>
+            </a:pPr>
+            <a:r>
+              <a:rPr lang="ru-RU" sz="1800">
+                <a:solidFill>
+                  <a:srgbClr val="7F7F7F"/>
+                </a:solidFill>
+                <a:latin typeface="Book Antiqua"/>
+                <a:ea typeface="Book Antiqua"/>
+                <a:cs typeface="Book Antiqua"/>
+                <a:sym typeface="Book Antiqua"/>
+              </a:rPr>
+              <a:t>Цель - повышение эффективности и упрощение процесса организации совместной работы над проектами</a:t>
+            </a:r>
+            <a:endParaRPr sz="1800"/>
+          </a:p>
+        </p:txBody>
+      </p:sp>
     </p:spTree>
   </p:cSld>
   <p:clrMapOvr>
@@ -16267,7 +16317,7 @@
   <p:cSld>
     <p:spTree>
       <p:nvGrpSpPr>
-        <p:cNvPr id="111" name="Shape 111"/>
+        <p:cNvPr id="112" name="Shape 112"/>
         <p:cNvGrpSpPr/>
         <p:nvPr/>
       </p:nvGrpSpPr>
@@ -16281,7 +16331,7 @@
       </p:grpSpPr>
       <p:sp>
         <p:nvSpPr>
-          <p:cNvPr id="112" name="Google Shape;112;p15"/>
+          <p:cNvPr id="113" name="Google Shape;113;p15"/>
           <p:cNvSpPr/>
           <p:nvPr/>
         </p:nvSpPr>
@@ -16334,7 +16384,7 @@
       </p:sp>
       <p:pic>
         <p:nvPicPr>
-          <p:cNvPr id="113" name="Google Shape;113;p15"/>
+          <p:cNvPr id="114" name="Google Shape;114;p15"/>
           <p:cNvPicPr preferRelativeResize="0"/>
           <p:nvPr/>
         </p:nvPicPr>
@@ -16359,56 +16409,6 @@
           </a:ln>
         </p:spPr>
       </p:pic>
-      <p:sp>
-        <p:nvSpPr>
-          <p:cNvPr id="114" name="Google Shape;114;p15"/>
-          <p:cNvSpPr txBox="1"/>
-          <p:nvPr/>
-        </p:nvSpPr>
-        <p:spPr>
-          <a:xfrm>
-            <a:off x="1557750" y="1637600"/>
-            <a:ext cx="6028500" cy="923400"/>
-          </a:xfrm>
-          <a:prstGeom prst="rect">
-            <a:avLst/>
-          </a:prstGeom>
-          <a:noFill/>
-          <a:ln>
-            <a:noFill/>
-          </a:ln>
-        </p:spPr>
-        <p:txBody>
-          <a:bodyPr anchorCtr="0" anchor="t" bIns="45700" lIns="91425" spcFirstLastPara="1" rIns="91425" wrap="square" tIns="45700">
-            <a:spAutoFit/>
-          </a:bodyPr>
-          <a:lstStyle/>
-          <a:p>
-            <a:pPr indent="0" lvl="0" marL="0" marR="0" rtl="0" algn="ctr">
-              <a:spcBef>
-                <a:spcPts val="0"/>
-              </a:spcBef>
-              <a:spcAft>
-                <a:spcPts val="0"/>
-              </a:spcAft>
-              <a:buNone/>
-            </a:pPr>
-            <a:r>
-              <a:rPr lang="ru-RU" sz="1800">
-                <a:solidFill>
-                  <a:srgbClr val="7F7F7F"/>
-                </a:solidFill>
-                <a:latin typeface="Book Antiqua"/>
-                <a:ea typeface="Book Antiqua"/>
-                <a:cs typeface="Book Antiqua"/>
-                <a:sym typeface="Book Antiqua"/>
-              </a:rPr>
-              <a:t>Цель - повышение эффективности и упрощение процесса организации совместной работы над проектами</a:t>
-            </a:r>
-            <a:endParaRPr sz="1800"/>
-          </a:p>
-        </p:txBody>
-      </p:sp>
       <p:pic>
         <p:nvPicPr>
           <p:cNvPr id="115" name="Google Shape;115;p15"/>
@@ -16484,7 +16484,7 @@
         </p:nvSpPr>
         <p:spPr>
           <a:xfrm>
-            <a:off x="-5" y="3120845"/>
+            <a:off x="-5" y="1289745"/>
             <a:ext cx="954000" cy="1015800"/>
           </a:xfrm>
           <a:prstGeom prst="rect">
@@ -16534,7 +16534,7 @@
         </p:nvSpPr>
         <p:spPr>
           <a:xfrm>
-            <a:off x="884825" y="3220775"/>
+            <a:off x="884825" y="1389675"/>
             <a:ext cx="1832700" cy="831000"/>
           </a:xfrm>
           <a:prstGeom prst="rect">
@@ -16584,7 +16584,7 @@
         </p:nvSpPr>
         <p:spPr>
           <a:xfrm>
-            <a:off x="3005795" y="3120845"/>
+            <a:off x="-5" y="2220670"/>
             <a:ext cx="954000" cy="1015800"/>
           </a:xfrm>
           <a:prstGeom prst="rect">
@@ -16634,7 +16634,7 @@
         </p:nvSpPr>
         <p:spPr>
           <a:xfrm>
-            <a:off x="3890613" y="3220775"/>
+            <a:off x="884813" y="2320600"/>
             <a:ext cx="2247600" cy="831000"/>
           </a:xfrm>
           <a:prstGeom prst="rect">
@@ -16684,7 +16684,7 @@
         </p:nvSpPr>
         <p:spPr>
           <a:xfrm>
-            <a:off x="6138233" y="3120845"/>
+            <a:off x="7" y="3259695"/>
             <a:ext cx="954000" cy="1015800"/>
           </a:xfrm>
           <a:prstGeom prst="rect">
@@ -16734,7 +16734,7 @@
         </p:nvSpPr>
         <p:spPr>
           <a:xfrm>
-            <a:off x="7023050" y="3097625"/>
+            <a:off x="884825" y="3236475"/>
             <a:ext cx="2082300" cy="1077300"/>
           </a:xfrm>
           <a:prstGeom prst="rect">
@@ -16784,7 +16784,7 @@
         </p:nvSpPr>
         <p:spPr>
           <a:xfrm>
-            <a:off x="1289083" y="4646595"/>
+            <a:off x="0" y="4313775"/>
             <a:ext cx="954000" cy="1015800"/>
           </a:xfrm>
           <a:prstGeom prst="rect">
@@ -16834,7 +16834,7 @@
         </p:nvSpPr>
         <p:spPr>
           <a:xfrm>
-            <a:off x="2173913" y="4862000"/>
+            <a:off x="884838" y="4529175"/>
             <a:ext cx="1832700" cy="585000"/>
           </a:xfrm>
           <a:prstGeom prst="rect">
@@ -16884,7 +16884,7 @@
         </p:nvSpPr>
         <p:spPr>
           <a:xfrm>
-            <a:off x="5175483" y="4646595"/>
+            <a:off x="7" y="5367858"/>
             <a:ext cx="954000" cy="1015800"/>
           </a:xfrm>
           <a:prstGeom prst="rect">
@@ -16934,7 +16934,7 @@
         </p:nvSpPr>
         <p:spPr>
           <a:xfrm>
-            <a:off x="6060313" y="4739000"/>
+            <a:off x="884838" y="5460263"/>
             <a:ext cx="1794600" cy="831000"/>
           </a:xfrm>
           <a:prstGeom prst="rect">
@@ -17020,9 +17020,262 @@
                 <a:cs typeface="Book Antiqua"/>
                 <a:sym typeface="Book Antiqua"/>
               </a:rPr>
-              <a:t>Цели и задачи</a:t>
+              <a:t>Задачи</a:t>
             </a:r>
             <a:endParaRPr sz="2000"/>
+          </a:p>
+        </p:txBody>
+      </p:sp>
+      <p:sp>
+        <p:nvSpPr>
+          <p:cNvPr id="128" name="Google Shape;128;p15"/>
+          <p:cNvSpPr txBox="1"/>
+          <p:nvPr/>
+        </p:nvSpPr>
+        <p:spPr>
+          <a:xfrm>
+            <a:off x="3731300" y="1951250"/>
+            <a:ext cx="4588200" cy="3632700"/>
+          </a:xfrm>
+          <a:prstGeom prst="rect">
+            <a:avLst/>
+          </a:prstGeom>
+          <a:noFill/>
+          <a:ln>
+            <a:noFill/>
+          </a:ln>
+        </p:spPr>
+        <p:txBody>
+          <a:bodyPr anchorCtr="0" anchor="t" bIns="91425" lIns="91425" spcFirstLastPara="1" rIns="91425" wrap="square" tIns="91425">
+            <a:spAutoFit/>
+          </a:bodyPr>
+          <a:lstStyle/>
+          <a:p>
+            <a:pPr indent="0" lvl="0" marL="0" rtl="0" algn="l">
+              <a:spcBef>
+                <a:spcPts val="0"/>
+              </a:spcBef>
+              <a:spcAft>
+                <a:spcPts val="0"/>
+              </a:spcAft>
+              <a:buNone/>
+            </a:pPr>
+            <a:r>
+              <a:rPr lang="ru-RU" sz="1600">
+                <a:solidFill>
+                  <a:srgbClr val="595959"/>
+                </a:solidFill>
+                <a:latin typeface="Book Antiqua"/>
+                <a:ea typeface="Book Antiqua"/>
+                <a:cs typeface="Book Antiqua"/>
+                <a:sym typeface="Book Antiqua"/>
+              </a:rPr>
+              <a:t>Разработанное в</a:t>
+            </a:r>
+            <a:r>
+              <a:rPr lang="ru-RU" sz="1600">
+                <a:solidFill>
+                  <a:srgbClr val="595959"/>
+                </a:solidFill>
+                <a:latin typeface="Book Antiqua"/>
+                <a:ea typeface="Book Antiqua"/>
+                <a:cs typeface="Book Antiqua"/>
+                <a:sym typeface="Book Antiqua"/>
+              </a:rPr>
+              <a:t>еб-приложение должно позволяет пользователям:</a:t>
+            </a:r>
+            <a:endParaRPr sz="1600">
+              <a:solidFill>
+                <a:srgbClr val="595959"/>
+              </a:solidFill>
+              <a:latin typeface="Book Antiqua"/>
+              <a:ea typeface="Book Antiqua"/>
+              <a:cs typeface="Book Antiqua"/>
+              <a:sym typeface="Book Antiqua"/>
+            </a:endParaRPr>
+          </a:p>
+          <a:p>
+            <a:pPr indent="457200" lvl="0" marL="0" rtl="0" algn="l">
+              <a:spcBef>
+                <a:spcPts val="0"/>
+              </a:spcBef>
+              <a:spcAft>
+                <a:spcPts val="0"/>
+              </a:spcAft>
+              <a:buNone/>
+            </a:pPr>
+            <a:r>
+              <a:rPr lang="ru-RU" sz="1600">
+                <a:solidFill>
+                  <a:srgbClr val="595959"/>
+                </a:solidFill>
+                <a:latin typeface="Book Antiqua"/>
+                <a:ea typeface="Book Antiqua"/>
+                <a:cs typeface="Book Antiqua"/>
+                <a:sym typeface="Book Antiqua"/>
+              </a:rPr>
+              <a:t>– создавать и управлять задачами с разделением по статусам;</a:t>
+            </a:r>
+            <a:endParaRPr sz="1600">
+              <a:solidFill>
+                <a:srgbClr val="595959"/>
+              </a:solidFill>
+              <a:latin typeface="Book Antiqua"/>
+              <a:ea typeface="Book Antiqua"/>
+              <a:cs typeface="Book Antiqua"/>
+              <a:sym typeface="Book Antiqua"/>
+            </a:endParaRPr>
+          </a:p>
+          <a:p>
+            <a:pPr indent="457200" lvl="0" marL="0" rtl="0" algn="l">
+              <a:spcBef>
+                <a:spcPts val="0"/>
+              </a:spcBef>
+              <a:spcAft>
+                <a:spcPts val="0"/>
+              </a:spcAft>
+              <a:buNone/>
+            </a:pPr>
+            <a:r>
+              <a:rPr lang="ru-RU" sz="1600">
+                <a:solidFill>
+                  <a:srgbClr val="595959"/>
+                </a:solidFill>
+                <a:latin typeface="Book Antiqua"/>
+                <a:ea typeface="Book Antiqua"/>
+                <a:cs typeface="Book Antiqua"/>
+                <a:sym typeface="Book Antiqua"/>
+              </a:rPr>
+              <a:t>– использовать канбан-доску для наглядного отображения рабочего процесса;</a:t>
+            </a:r>
+            <a:endParaRPr sz="1600">
+              <a:solidFill>
+                <a:srgbClr val="595959"/>
+              </a:solidFill>
+              <a:latin typeface="Book Antiqua"/>
+              <a:ea typeface="Book Antiqua"/>
+              <a:cs typeface="Book Antiqua"/>
+              <a:sym typeface="Book Antiqua"/>
+            </a:endParaRPr>
+          </a:p>
+          <a:p>
+            <a:pPr indent="457200" lvl="0" marL="0" rtl="0" algn="l">
+              <a:spcBef>
+                <a:spcPts val="0"/>
+              </a:spcBef>
+              <a:spcAft>
+                <a:spcPts val="0"/>
+              </a:spcAft>
+              <a:buNone/>
+            </a:pPr>
+            <a:r>
+              <a:rPr lang="ru-RU" sz="1600">
+                <a:solidFill>
+                  <a:srgbClr val="595959"/>
+                </a:solidFill>
+                <a:latin typeface="Book Antiqua"/>
+                <a:ea typeface="Book Antiqua"/>
+                <a:cs typeface="Book Antiqua"/>
+                <a:sym typeface="Book Antiqua"/>
+              </a:rPr>
+              <a:t>– вести текстовые заметки и комментарии;</a:t>
+            </a:r>
+            <a:endParaRPr sz="1600">
+              <a:solidFill>
+                <a:srgbClr val="595959"/>
+              </a:solidFill>
+              <a:latin typeface="Book Antiqua"/>
+              <a:ea typeface="Book Antiqua"/>
+              <a:cs typeface="Book Antiqua"/>
+              <a:sym typeface="Book Antiqua"/>
+            </a:endParaRPr>
+          </a:p>
+          <a:p>
+            <a:pPr indent="457200" lvl="0" marL="0" rtl="0" algn="l">
+              <a:spcBef>
+                <a:spcPts val="0"/>
+              </a:spcBef>
+              <a:spcAft>
+                <a:spcPts val="0"/>
+              </a:spcAft>
+              <a:buNone/>
+            </a:pPr>
+            <a:r>
+              <a:rPr lang="ru-RU" sz="1600">
+                <a:solidFill>
+                  <a:srgbClr val="595959"/>
+                </a:solidFill>
+                <a:latin typeface="Book Antiqua"/>
+                <a:ea typeface="Book Antiqua"/>
+                <a:cs typeface="Book Antiqua"/>
+                <a:sym typeface="Book Antiqua"/>
+              </a:rPr>
+              <a:t>– приглашать участников для совместной работы без сложной настройки ролей;</a:t>
+            </a:r>
+            <a:endParaRPr sz="1600">
+              <a:solidFill>
+                <a:srgbClr val="595959"/>
+              </a:solidFill>
+              <a:latin typeface="Book Antiqua"/>
+              <a:ea typeface="Book Antiqua"/>
+              <a:cs typeface="Book Antiqua"/>
+              <a:sym typeface="Book Antiqua"/>
+            </a:endParaRPr>
+          </a:p>
+          <a:p>
+            <a:pPr indent="457200" lvl="0" marL="0" rtl="0" algn="l">
+              <a:spcBef>
+                <a:spcPts val="0"/>
+              </a:spcBef>
+              <a:spcAft>
+                <a:spcPts val="0"/>
+              </a:spcAft>
+              <a:buNone/>
+            </a:pPr>
+            <a:r>
+              <a:rPr lang="ru-RU" sz="1600">
+                <a:solidFill>
+                  <a:srgbClr val="595959"/>
+                </a:solidFill>
+                <a:latin typeface="Book Antiqua"/>
+                <a:ea typeface="Book Antiqua"/>
+                <a:cs typeface="Book Antiqua"/>
+                <a:sym typeface="Book Antiqua"/>
+              </a:rPr>
+              <a:t>– работать с разных устройств благодаря адаптивному интерфейсу.</a:t>
+            </a:r>
+            <a:endParaRPr sz="1600">
+              <a:solidFill>
+                <a:srgbClr val="595959"/>
+              </a:solidFill>
+              <a:latin typeface="Book Antiqua"/>
+              <a:ea typeface="Book Antiqua"/>
+              <a:cs typeface="Book Antiqua"/>
+              <a:sym typeface="Book Antiqua"/>
+            </a:endParaRPr>
+          </a:p>
+          <a:p>
+            <a:pPr indent="0" lvl="0" marL="0" rtl="0" algn="l">
+              <a:spcBef>
+                <a:spcPts val="0"/>
+              </a:spcBef>
+              <a:spcAft>
+                <a:spcPts val="0"/>
+              </a:spcAft>
+              <a:buNone/>
+            </a:pPr>
+            <a:r>
+              <a:t/>
+            </a:r>
+            <a:endParaRPr sz="1600">
+              <a:solidFill>
+                <a:srgbClr val="595959"/>
+              </a:solidFill>
+              <a:latin typeface="Book Antiqua"/>
+              <a:ea typeface="Book Antiqua"/>
+              <a:cs typeface="Book Antiqua"/>
+              <a:sym typeface="Book Antiqua"/>
+            </a:endParaRPr>
           </a:p>
         </p:txBody>
       </p:sp>
@@ -17039,7 +17292,7 @@
   <p:cSld>
     <p:spTree>
       <p:nvGrpSpPr>
-        <p:cNvPr id="132" name="Shape 132"/>
+        <p:cNvPr id="133" name="Shape 133"/>
         <p:cNvGrpSpPr/>
         <p:nvPr/>
       </p:nvGrpSpPr>
@@ -17053,7 +17306,7 @@
       </p:grpSpPr>
       <p:sp>
         <p:nvSpPr>
-          <p:cNvPr id="133" name="Google Shape;133;p16"/>
+          <p:cNvPr id="134" name="Google Shape;134;p16"/>
           <p:cNvSpPr/>
           <p:nvPr/>
         </p:nvSpPr>
@@ -17106,7 +17359,7 @@
       </p:sp>
       <p:pic>
         <p:nvPicPr>
-          <p:cNvPr id="134" name="Google Shape;134;p16"/>
+          <p:cNvPr id="135" name="Google Shape;135;p16"/>
           <p:cNvPicPr preferRelativeResize="0"/>
           <p:nvPr/>
         </p:nvPicPr>
@@ -17133,7 +17386,7 @@
       </p:pic>
       <p:sp>
         <p:nvSpPr>
-          <p:cNvPr id="135" name="Google Shape;135;p16"/>
+          <p:cNvPr id="136" name="Google Shape;136;p16"/>
           <p:cNvSpPr txBox="1"/>
           <p:nvPr/>
         </p:nvSpPr>
@@ -17192,7 +17445,7 @@
       </p:sp>
       <p:pic>
         <p:nvPicPr>
-          <p:cNvPr id="136" name="Google Shape;136;p16"/>
+          <p:cNvPr id="137" name="Google Shape;137;p16"/>
           <p:cNvPicPr preferRelativeResize="0"/>
           <p:nvPr/>
         </p:nvPicPr>
@@ -17219,7 +17472,7 @@
       </p:pic>
       <p:sp>
         <p:nvSpPr>
-          <p:cNvPr id="137" name="Google Shape;137;p16"/>
+          <p:cNvPr id="138" name="Google Shape;138;p16"/>
           <p:cNvSpPr txBox="1"/>
           <p:nvPr>
             <p:ph idx="12" type="sldNum"/>
@@ -17259,7 +17512,7 @@
       </p:sp>
       <p:sp>
         <p:nvSpPr>
-          <p:cNvPr id="138" name="Google Shape;138;p16"/>
+          <p:cNvPr id="139" name="Google Shape;139;p16"/>
           <p:cNvSpPr txBox="1"/>
           <p:nvPr/>
         </p:nvSpPr>
@@ -17309,7 +17562,7 @@
       </p:sp>
       <p:sp>
         <p:nvSpPr>
-          <p:cNvPr id="139" name="Google Shape;139;p16"/>
+          <p:cNvPr id="140" name="Google Shape;140;p16"/>
           <p:cNvSpPr txBox="1"/>
           <p:nvPr/>
         </p:nvSpPr>
@@ -17359,7 +17612,7 @@
       </p:sp>
       <p:pic>
         <p:nvPicPr>
-          <p:cNvPr id="140" name="Google Shape;140;p16" title="full_uploaded_by_url_CtdbsrMG.png"/>
+          <p:cNvPr id="141" name="Google Shape;141;p16" title="full_uploaded_by_url_CtdbsrMG.png"/>
           <p:cNvPicPr preferRelativeResize="0"/>
           <p:nvPr/>
         </p:nvPicPr>
@@ -17398,7 +17651,7 @@
   <p:cSld>
     <p:spTree>
       <p:nvGrpSpPr>
-        <p:cNvPr id="145" name="Shape 145"/>
+        <p:cNvPr id="146" name="Shape 146"/>
         <p:cNvGrpSpPr/>
         <p:nvPr/>
       </p:nvGrpSpPr>
@@ -17412,7 +17665,7 @@
       </p:grpSpPr>
       <p:sp>
         <p:nvSpPr>
-          <p:cNvPr id="146" name="Google Shape;146;p17"/>
+          <p:cNvPr id="147" name="Google Shape;147;p17"/>
           <p:cNvSpPr/>
           <p:nvPr/>
         </p:nvSpPr>
@@ -17465,7 +17718,7 @@
       </p:sp>
       <p:pic>
         <p:nvPicPr>
-          <p:cNvPr id="147" name="Google Shape;147;p17"/>
+          <p:cNvPr id="148" name="Google Shape;148;p17"/>
           <p:cNvPicPr preferRelativeResize="0"/>
           <p:nvPr/>
         </p:nvPicPr>
@@ -17492,7 +17745,7 @@
       </p:pic>
       <p:sp>
         <p:nvSpPr>
-          <p:cNvPr id="148" name="Google Shape;148;p17"/>
+          <p:cNvPr id="149" name="Google Shape;149;p17"/>
           <p:cNvSpPr txBox="1"/>
           <p:nvPr/>
         </p:nvSpPr>
@@ -17542,7 +17795,7 @@
       </p:sp>
       <p:sp>
         <p:nvSpPr>
-          <p:cNvPr id="149" name="Google Shape;149;p17"/>
+          <p:cNvPr id="150" name="Google Shape;150;p17"/>
           <p:cNvSpPr txBox="1"/>
           <p:nvPr/>
         </p:nvSpPr>
@@ -17592,7 +17845,7 @@
       </p:sp>
       <p:sp>
         <p:nvSpPr>
-          <p:cNvPr id="150" name="Google Shape;150;p17"/>
+          <p:cNvPr id="151" name="Google Shape;151;p17"/>
           <p:cNvSpPr txBox="1"/>
           <p:nvPr>
             <p:ph idx="12" type="sldNum"/>
@@ -17632,7 +17885,7 @@
       </p:sp>
       <p:pic>
         <p:nvPicPr>
-          <p:cNvPr id="151" name="Google Shape;151;p17"/>
+          <p:cNvPr id="152" name="Google Shape;152;p17"/>
           <p:cNvPicPr preferRelativeResize="0"/>
           <p:nvPr/>
         </p:nvPicPr>
@@ -17660,7 +17913,7 @@
       </p:pic>
       <p:pic>
         <p:nvPicPr>
-          <p:cNvPr id="152" name="Google Shape;152;p17"/>
+          <p:cNvPr id="153" name="Google Shape;153;p17"/>
           <p:cNvPicPr preferRelativeResize="0"/>
           <p:nvPr/>
         </p:nvPicPr>
@@ -17687,7 +17940,7 @@
       </p:pic>
       <p:pic>
         <p:nvPicPr>
-          <p:cNvPr id="153" name="Google Shape;153;p17"/>
+          <p:cNvPr id="154" name="Google Shape;154;p17"/>
           <p:cNvPicPr preferRelativeResize="0"/>
           <p:nvPr/>
         </p:nvPicPr>
@@ -17714,7 +17967,7 @@
       </p:pic>
       <p:pic>
         <p:nvPicPr>
-          <p:cNvPr id="154" name="Google Shape;154;p17"/>
+          <p:cNvPr id="155" name="Google Shape;155;p17"/>
           <p:cNvPicPr preferRelativeResize="0"/>
           <p:nvPr/>
         </p:nvPicPr>
@@ -17741,7 +17994,7 @@
       </p:pic>
       <p:pic>
         <p:nvPicPr>
-          <p:cNvPr id="155" name="Google Shape;155;p17"/>
+          <p:cNvPr id="156" name="Google Shape;156;p17"/>
           <p:cNvPicPr preferRelativeResize="0"/>
           <p:nvPr/>
         </p:nvPicPr>
@@ -17768,7 +18021,7 @@
       </p:pic>
       <p:sp>
         <p:nvSpPr>
-          <p:cNvPr id="156" name="Google Shape;156;p17"/>
+          <p:cNvPr id="157" name="Google Shape;157;p17"/>
           <p:cNvSpPr txBox="1"/>
           <p:nvPr/>
         </p:nvSpPr>
@@ -17818,7 +18071,7 @@
       </p:sp>
       <p:sp>
         <p:nvSpPr>
-          <p:cNvPr id="157" name="Google Shape;157;p17"/>
+          <p:cNvPr id="158" name="Google Shape;158;p17"/>
           <p:cNvSpPr txBox="1"/>
           <p:nvPr/>
         </p:nvSpPr>
@@ -17868,7 +18121,7 @@
       </p:sp>
       <p:sp>
         <p:nvSpPr>
-          <p:cNvPr id="158" name="Google Shape;158;p17"/>
+          <p:cNvPr id="159" name="Google Shape;159;p17"/>
           <p:cNvSpPr txBox="1"/>
           <p:nvPr/>
         </p:nvSpPr>
@@ -17918,7 +18171,7 @@
       </p:sp>
       <p:sp>
         <p:nvSpPr>
-          <p:cNvPr id="159" name="Google Shape;159;p17"/>
+          <p:cNvPr id="160" name="Google Shape;160;p17"/>
           <p:cNvSpPr txBox="1"/>
           <p:nvPr/>
         </p:nvSpPr>
@@ -17979,7 +18232,7 @@
   <p:cSld>
     <p:spTree>
       <p:nvGrpSpPr>
-        <p:cNvPr id="164" name="Shape 164"/>
+        <p:cNvPr id="165" name="Shape 165"/>
         <p:cNvGrpSpPr/>
         <p:nvPr/>
       </p:nvGrpSpPr>
@@ -17993,7 +18246,7 @@
       </p:grpSpPr>
       <p:sp>
         <p:nvSpPr>
-          <p:cNvPr id="165" name="Google Shape;165;p18"/>
+          <p:cNvPr id="166" name="Google Shape;166;p18"/>
           <p:cNvSpPr/>
           <p:nvPr/>
         </p:nvSpPr>
@@ -18046,7 +18299,7 @@
       </p:sp>
       <p:pic>
         <p:nvPicPr>
-          <p:cNvPr id="166" name="Google Shape;166;p18"/>
+          <p:cNvPr id="167" name="Google Shape;167;p18"/>
           <p:cNvPicPr preferRelativeResize="0"/>
           <p:nvPr/>
         </p:nvPicPr>
@@ -18073,7 +18326,7 @@
       </p:pic>
       <p:sp>
         <p:nvSpPr>
-          <p:cNvPr id="167" name="Google Shape;167;p18"/>
+          <p:cNvPr id="168" name="Google Shape;168;p18"/>
           <p:cNvSpPr txBox="1"/>
           <p:nvPr/>
         </p:nvSpPr>
@@ -18123,7 +18376,7 @@
       </p:sp>
       <p:sp>
         <p:nvSpPr>
-          <p:cNvPr id="168" name="Google Shape;168;p18"/>
+          <p:cNvPr id="169" name="Google Shape;169;p18"/>
           <p:cNvSpPr txBox="1"/>
           <p:nvPr>
             <p:ph idx="12" type="sldNum"/>
@@ -18163,7 +18416,7 @@
       </p:sp>
       <p:pic>
         <p:nvPicPr>
-          <p:cNvPr id="169" name="Google Shape;169;p18"/>
+          <p:cNvPr id="170" name="Google Shape;170;p18"/>
           <p:cNvPicPr preferRelativeResize="0"/>
           <p:nvPr/>
         </p:nvPicPr>
@@ -18190,7 +18443,7 @@
       </p:pic>
       <p:sp>
         <p:nvSpPr>
-          <p:cNvPr id="170" name="Google Shape;170;p18"/>
+          <p:cNvPr id="171" name="Google Shape;171;p18"/>
           <p:cNvSpPr txBox="1"/>
           <p:nvPr/>
         </p:nvSpPr>
@@ -18240,7 +18493,7 @@
       </p:sp>
       <p:graphicFrame>
         <p:nvGraphicFramePr>
-          <p:cNvPr id="171" name="Google Shape;171;p18"/>
+          <p:cNvPr id="172" name="Google Shape;172;p18"/>
           <p:cNvGraphicFramePr/>
           <p:nvPr/>
         </p:nvGraphicFramePr>
@@ -18253,7 +18506,7 @@
             <a:tbl>
               <a:tblPr>
                 <a:noFill/>
-                <a:tableStyleId>{51998885-ED36-4EDF-9087-8E39C68AA58B}</a:tableStyleId>
+                <a:tableStyleId>{3F04DA91-79B6-4278-9B33-246FEFD5E187}</a:tableStyleId>
               </a:tblPr>
               <a:tblGrid>
                 <a:gridCol w="967700"/>
@@ -19848,7 +20101,7 @@
   <p:cSld>
     <p:spTree>
       <p:nvGrpSpPr>
-        <p:cNvPr id="176" name="Shape 176"/>
+        <p:cNvPr id="177" name="Shape 177"/>
         <p:cNvGrpSpPr/>
         <p:nvPr/>
       </p:nvGrpSpPr>
@@ -19862,7 +20115,7 @@
       </p:grpSpPr>
       <p:sp>
         <p:nvSpPr>
-          <p:cNvPr id="177" name="Google Shape;177;p19"/>
+          <p:cNvPr id="178" name="Google Shape;178;p19"/>
           <p:cNvSpPr/>
           <p:nvPr/>
         </p:nvSpPr>
@@ -19915,7 +20168,7 @@
       </p:sp>
       <p:pic>
         <p:nvPicPr>
-          <p:cNvPr id="178" name="Google Shape;178;p19"/>
+          <p:cNvPr id="179" name="Google Shape;179;p19"/>
           <p:cNvPicPr preferRelativeResize="0"/>
           <p:nvPr/>
         </p:nvPicPr>
@@ -19942,7 +20195,7 @@
       </p:pic>
       <p:sp>
         <p:nvSpPr>
-          <p:cNvPr id="179" name="Google Shape;179;p19"/>
+          <p:cNvPr id="180" name="Google Shape;180;p19"/>
           <p:cNvSpPr txBox="1"/>
           <p:nvPr/>
         </p:nvSpPr>
@@ -19992,7 +20245,7 @@
       </p:sp>
       <p:pic>
         <p:nvPicPr>
-          <p:cNvPr id="180" name="Google Shape;180;p19"/>
+          <p:cNvPr id="181" name="Google Shape;181;p19"/>
           <p:cNvPicPr preferRelativeResize="0"/>
           <p:nvPr/>
         </p:nvPicPr>
@@ -20019,7 +20272,7 @@
       </p:pic>
       <p:sp>
         <p:nvSpPr>
-          <p:cNvPr id="181" name="Google Shape;181;p19"/>
+          <p:cNvPr id="182" name="Google Shape;182;p19"/>
           <p:cNvSpPr txBox="1"/>
           <p:nvPr>
             <p:ph idx="12" type="sldNum"/>
@@ -20059,7 +20312,7 @@
       </p:sp>
       <p:pic>
         <p:nvPicPr>
-          <p:cNvPr id="182" name="Google Shape;182;p19" title="Диаграмма без названия.drawio2.png"/>
+          <p:cNvPr id="183" name="Google Shape;183;p19" title="Диаграмма без названия.drawio2.png"/>
           <p:cNvPicPr preferRelativeResize="0"/>
           <p:nvPr/>
         </p:nvPicPr>
@@ -20087,7 +20340,7 @@
       </p:pic>
       <p:sp>
         <p:nvSpPr>
-          <p:cNvPr id="183" name="Google Shape;183;p19"/>
+          <p:cNvPr id="184" name="Google Shape;184;p19"/>
           <p:cNvSpPr txBox="1"/>
           <p:nvPr/>
         </p:nvSpPr>
@@ -20148,7 +20401,7 @@
   <p:cSld>
     <p:spTree>
       <p:nvGrpSpPr>
-        <p:cNvPr id="188" name="Shape 188"/>
+        <p:cNvPr id="189" name="Shape 189"/>
         <p:cNvGrpSpPr/>
         <p:nvPr/>
       </p:nvGrpSpPr>
@@ -20162,7 +20415,7 @@
       </p:grpSpPr>
       <p:sp>
         <p:nvSpPr>
-          <p:cNvPr id="189" name="Google Shape;189;p20"/>
+          <p:cNvPr id="190" name="Google Shape;190;p20"/>
           <p:cNvSpPr/>
           <p:nvPr/>
         </p:nvSpPr>
@@ -20215,7 +20468,7 @@
       </p:sp>
       <p:pic>
         <p:nvPicPr>
-          <p:cNvPr id="190" name="Google Shape;190;p20"/>
+          <p:cNvPr id="191" name="Google Shape;191;p20"/>
           <p:cNvPicPr preferRelativeResize="0"/>
           <p:nvPr/>
         </p:nvPicPr>
@@ -20242,7 +20495,7 @@
       </p:pic>
       <p:sp>
         <p:nvSpPr>
-          <p:cNvPr id="191" name="Google Shape;191;p20"/>
+          <p:cNvPr id="192" name="Google Shape;192;p20"/>
           <p:cNvSpPr txBox="1"/>
           <p:nvPr/>
         </p:nvSpPr>
@@ -20292,7 +20545,7 @@
       </p:sp>
       <p:pic>
         <p:nvPicPr>
-          <p:cNvPr id="192" name="Google Shape;192;p20"/>
+          <p:cNvPr id="193" name="Google Shape;193;p20"/>
           <p:cNvPicPr preferRelativeResize="0"/>
           <p:nvPr/>
         </p:nvPicPr>
@@ -20319,7 +20572,7 @@
       </p:pic>
       <p:sp>
         <p:nvSpPr>
-          <p:cNvPr id="193" name="Google Shape;193;p20"/>
+          <p:cNvPr id="194" name="Google Shape;194;p20"/>
           <p:cNvSpPr txBox="1"/>
           <p:nvPr>
             <p:ph idx="12" type="sldNum"/>
@@ -20359,7 +20612,7 @@
       </p:sp>
       <p:graphicFrame>
         <p:nvGraphicFramePr>
-          <p:cNvPr id="194" name="Google Shape;194;p20"/>
+          <p:cNvPr id="195" name="Google Shape;195;p20"/>
           <p:cNvGraphicFramePr/>
           <p:nvPr/>
         </p:nvGraphicFramePr>
@@ -20372,7 +20625,7 @@
             <a:tbl>
               <a:tblPr>
                 <a:noFill/>
-                <a:tableStyleId>{F31E900A-74D1-4583-93C8-BBBB14ACB31C}</a:tableStyleId>
+                <a:tableStyleId>{E44B5511-90E4-4970-97FD-B686C573FF16}</a:tableStyleId>
               </a:tblPr>
               <a:tblGrid>
                 <a:gridCol w="1756000"/>
@@ -22775,7 +23028,7 @@
       </p:graphicFrame>
       <p:sp>
         <p:nvSpPr>
-          <p:cNvPr id="195" name="Google Shape;195;p20"/>
+          <p:cNvPr id="196" name="Google Shape;196;p20"/>
           <p:cNvSpPr txBox="1"/>
           <p:nvPr/>
         </p:nvSpPr>
@@ -22836,7 +23089,7 @@
   <p:cSld>
     <p:spTree>
       <p:nvGrpSpPr>
-        <p:cNvPr id="200" name="Shape 200"/>
+        <p:cNvPr id="201" name="Shape 201"/>
         <p:cNvGrpSpPr/>
         <p:nvPr/>
       </p:nvGrpSpPr>
@@ -22850,7 +23103,7 @@
       </p:grpSpPr>
       <p:sp>
         <p:nvSpPr>
-          <p:cNvPr id="201" name="Google Shape;201;p21"/>
+          <p:cNvPr id="202" name="Google Shape;202;p21"/>
           <p:cNvSpPr/>
           <p:nvPr/>
         </p:nvSpPr>
@@ -22903,7 +23156,7 @@
       </p:sp>
       <p:pic>
         <p:nvPicPr>
-          <p:cNvPr id="202" name="Google Shape;202;p21"/>
+          <p:cNvPr id="203" name="Google Shape;203;p21"/>
           <p:cNvPicPr preferRelativeResize="0"/>
           <p:nvPr/>
         </p:nvPicPr>
@@ -22930,7 +23183,7 @@
       </p:pic>
       <p:sp>
         <p:nvSpPr>
-          <p:cNvPr id="203" name="Google Shape;203;p21"/>
+          <p:cNvPr id="204" name="Google Shape;204;p21"/>
           <p:cNvSpPr txBox="1"/>
           <p:nvPr/>
         </p:nvSpPr>
@@ -22980,7 +23233,7 @@
       </p:sp>
       <p:pic>
         <p:nvPicPr>
-          <p:cNvPr id="204" name="Google Shape;204;p21"/>
+          <p:cNvPr id="205" name="Google Shape;205;p21"/>
           <p:cNvPicPr preferRelativeResize="0"/>
           <p:nvPr/>
         </p:nvPicPr>
@@ -23007,7 +23260,7 @@
       </p:pic>
       <p:sp>
         <p:nvSpPr>
-          <p:cNvPr id="205" name="Google Shape;205;p21"/>
+          <p:cNvPr id="206" name="Google Shape;206;p21"/>
           <p:cNvSpPr txBox="1"/>
           <p:nvPr>
             <p:ph idx="12" type="sldNum"/>
@@ -23047,7 +23300,7 @@
       </p:sp>
       <p:sp>
         <p:nvSpPr>
-          <p:cNvPr id="206" name="Google Shape;206;p21"/>
+          <p:cNvPr id="207" name="Google Shape;207;p21"/>
           <p:cNvSpPr txBox="1"/>
           <p:nvPr/>
         </p:nvSpPr>
@@ -23097,7 +23350,7 @@
       </p:sp>
       <p:graphicFrame>
         <p:nvGraphicFramePr>
-          <p:cNvPr id="207" name="Google Shape;207;p21"/>
+          <p:cNvPr id="208" name="Google Shape;208;p21"/>
           <p:cNvGraphicFramePr/>
           <p:nvPr/>
         </p:nvGraphicFramePr>
@@ -23110,7 +23363,7 @@
             <a:tbl>
               <a:tblPr>
                 <a:noFill/>
-                <a:tableStyleId>{F31E900A-74D1-4583-93C8-BBBB14ACB31C}</a:tableStyleId>
+                <a:tableStyleId>{E44B5511-90E4-4970-97FD-B686C573FF16}</a:tableStyleId>
               </a:tblPr>
               <a:tblGrid>
                 <a:gridCol w="2091250"/>
